--- a/resume_format_komatsu.pptx
+++ b/resume_format_komatsu.pptx
@@ -272,7 +272,7 @@
           <a:p>
             <a:fld id="{61D65814-2647-4A72-962F-2A3764609B02}" type="datetimeFigureOut">
               <a:rPr kumimoji="1" lang="ja-JP" altLang="en-US" smtClean="0"/>
-              <a:t>2020/1/24</a:t>
+              <a:t>2020/1/27</a:t>
             </a:fld>
             <a:endParaRPr kumimoji="1" lang="ja-JP" altLang="en-US"/>
           </a:p>
@@ -502,7 +502,7 @@
           <a:p>
             <a:fld id="{61D65814-2647-4A72-962F-2A3764609B02}" type="datetimeFigureOut">
               <a:rPr kumimoji="1" lang="ja-JP" altLang="en-US" smtClean="0"/>
-              <a:t>2020/1/24</a:t>
+              <a:t>2020/1/27</a:t>
             </a:fld>
             <a:endParaRPr kumimoji="1" lang="ja-JP" altLang="en-US"/>
           </a:p>
@@ -742,7 +742,7 @@
           <a:p>
             <a:fld id="{61D65814-2647-4A72-962F-2A3764609B02}" type="datetimeFigureOut">
               <a:rPr kumimoji="1" lang="ja-JP" altLang="en-US" smtClean="0"/>
-              <a:t>2020/1/24</a:t>
+              <a:t>2020/1/27</a:t>
             </a:fld>
             <a:endParaRPr kumimoji="1" lang="ja-JP" altLang="en-US"/>
           </a:p>
@@ -946,7 +946,7 @@
           <a:p>
             <a:fld id="{6B0DA678-859E-4E93-B765-3BB9825BA2E7}" type="datetime1">
               <a:rPr kumimoji="1" lang="ja-JP" altLang="en-US" smtClean="0"/>
-              <a:t>2020/1/24</a:t>
+              <a:t>2020/1/27</a:t>
             </a:fld>
             <a:endParaRPr kumimoji="1" lang="ja-JP" altLang="en-US"/>
           </a:p>
@@ -1207,7 +1207,7 @@
           <a:p>
             <a:fld id="{CEE8E650-1717-4730-9A04-DC0C88CFB25D}" type="datetime1">
               <a:rPr kumimoji="1" lang="ja-JP" altLang="en-US" smtClean="0"/>
-              <a:t>2020/1/24</a:t>
+              <a:t>2020/1/27</a:t>
             </a:fld>
             <a:endParaRPr kumimoji="1" lang="ja-JP" altLang="en-US"/>
           </a:p>
@@ -1512,7 +1512,7 @@
           <a:p>
             <a:fld id="{2507533B-B693-4FD6-BC6B-36A125D7FC07}" type="datetime1">
               <a:rPr kumimoji="1" lang="ja-JP" altLang="en-US" smtClean="0"/>
-              <a:t>2020/1/24</a:t>
+              <a:t>2020/1/27</a:t>
             </a:fld>
             <a:endParaRPr kumimoji="1" lang="ja-JP" altLang="en-US"/>
           </a:p>
@@ -1867,7 +1867,7 @@
           <a:p>
             <a:fld id="{15E47A3A-1979-4406-86F1-92E1BFB2BFD4}" type="datetime1">
               <a:rPr kumimoji="1" lang="ja-JP" altLang="en-US" smtClean="0"/>
-              <a:t>2020/1/24</a:t>
+              <a:t>2020/1/27</a:t>
             </a:fld>
             <a:endParaRPr kumimoji="1" lang="ja-JP" altLang="en-US"/>
           </a:p>
@@ -2357,7 +2357,7 @@
           <a:p>
             <a:fld id="{4702A9A5-4DF8-469B-85B4-D7AD3E39F8E8}" type="datetime1">
               <a:rPr kumimoji="1" lang="ja-JP" altLang="en-US" smtClean="0"/>
-              <a:t>2020/1/24</a:t>
+              <a:t>2020/1/27</a:t>
             </a:fld>
             <a:endParaRPr kumimoji="1" lang="ja-JP" altLang="en-US"/>
           </a:p>
@@ -2475,7 +2475,7 @@
           <a:p>
             <a:fld id="{757C8B60-69DB-4B85-B607-A54BA195F6BC}" type="datetime1">
               <a:rPr kumimoji="1" lang="ja-JP" altLang="en-US" smtClean="0"/>
-              <a:t>2020/1/24</a:t>
+              <a:t>2020/1/27</a:t>
             </a:fld>
             <a:endParaRPr kumimoji="1" lang="ja-JP" altLang="en-US"/>
           </a:p>
@@ -2570,7 +2570,7 @@
           <a:p>
             <a:fld id="{2D8E3E8E-ABEE-40AF-BA3C-680DF53AE630}" type="datetime1">
               <a:rPr kumimoji="1" lang="ja-JP" altLang="en-US" smtClean="0"/>
-              <a:t>2020/1/24</a:t>
+              <a:t>2020/1/27</a:t>
             </a:fld>
             <a:endParaRPr kumimoji="1" lang="ja-JP" altLang="en-US"/>
           </a:p>
@@ -2879,7 +2879,7 @@
           <a:p>
             <a:fld id="{204D0E7C-50D2-4B3B-85A8-EAF114C99BE2}" type="datetime1">
               <a:rPr kumimoji="1" lang="ja-JP" altLang="en-US" smtClean="0"/>
-              <a:t>2020/1/24</a:t>
+              <a:t>2020/1/27</a:t>
             </a:fld>
             <a:endParaRPr kumimoji="1" lang="ja-JP" altLang="en-US"/>
           </a:p>
@@ -3098,7 +3098,7 @@
           <a:p>
             <a:fld id="{61D65814-2647-4A72-962F-2A3764609B02}" type="datetimeFigureOut">
               <a:rPr kumimoji="1" lang="ja-JP" altLang="en-US" smtClean="0"/>
-              <a:t>2020/1/24</a:t>
+              <a:t>2020/1/27</a:t>
             </a:fld>
             <a:endParaRPr kumimoji="1" lang="ja-JP" altLang="en-US"/>
           </a:p>
@@ -3367,7 +3367,7 @@
           <a:p>
             <a:fld id="{EC7CB590-1C64-418F-BC2E-EE541BEC824C}" type="datetime1">
               <a:rPr kumimoji="1" lang="ja-JP" altLang="en-US" smtClean="0"/>
-              <a:t>2020/1/24</a:t>
+              <a:t>2020/1/27</a:t>
             </a:fld>
             <a:endParaRPr kumimoji="1" lang="ja-JP" altLang="en-US"/>
           </a:p>
@@ -3569,7 +3569,7 @@
           <a:p>
             <a:fld id="{204D0E7C-50D2-4B3B-85A8-EAF114C99BE2}" type="datetime1">
               <a:rPr kumimoji="1" lang="ja-JP" altLang="en-US" smtClean="0"/>
-              <a:t>2020/1/24</a:t>
+              <a:t>2020/1/27</a:t>
             </a:fld>
             <a:endParaRPr kumimoji="1" lang="ja-JP" altLang="en-US"/>
           </a:p>
@@ -3782,7 +3782,7 @@
           <a:p>
             <a:fld id="{D2ED44D8-997F-4A54-B33B-C85C7D33424D}" type="datetime1">
               <a:rPr kumimoji="1" lang="ja-JP" altLang="en-US" smtClean="0"/>
-              <a:t>2020/1/24</a:t>
+              <a:t>2020/1/27</a:t>
             </a:fld>
             <a:endParaRPr kumimoji="1" lang="ja-JP" altLang="en-US"/>
           </a:p>
@@ -4045,7 +4045,7 @@
           <a:p>
             <a:fld id="{61D65814-2647-4A72-962F-2A3764609B02}" type="datetimeFigureOut">
               <a:rPr kumimoji="1" lang="ja-JP" altLang="en-US" smtClean="0"/>
-              <a:t>2020/1/24</a:t>
+              <a:t>2020/1/27</a:t>
             </a:fld>
             <a:endParaRPr kumimoji="1" lang="ja-JP" altLang="en-US"/>
           </a:p>
@@ -4374,7 +4374,7 @@
           <a:p>
             <a:fld id="{61D65814-2647-4A72-962F-2A3764609B02}" type="datetimeFigureOut">
               <a:rPr kumimoji="1" lang="ja-JP" altLang="en-US" smtClean="0"/>
-              <a:t>2020/1/24</a:t>
+              <a:t>2020/1/27</a:t>
             </a:fld>
             <a:endParaRPr kumimoji="1" lang="ja-JP" altLang="en-US"/>
           </a:p>
@@ -4850,7 +4850,7 @@
           <a:p>
             <a:fld id="{61D65814-2647-4A72-962F-2A3764609B02}" type="datetimeFigureOut">
               <a:rPr kumimoji="1" lang="ja-JP" altLang="en-US" smtClean="0"/>
-              <a:t>2020/1/24</a:t>
+              <a:t>2020/1/27</a:t>
             </a:fld>
             <a:endParaRPr kumimoji="1" lang="ja-JP" altLang="en-US"/>
           </a:p>
@@ -4991,7 +4991,7 @@
           <a:p>
             <a:fld id="{61D65814-2647-4A72-962F-2A3764609B02}" type="datetimeFigureOut">
               <a:rPr kumimoji="1" lang="ja-JP" altLang="en-US" smtClean="0"/>
-              <a:t>2020/1/24</a:t>
+              <a:t>2020/1/27</a:t>
             </a:fld>
             <a:endParaRPr kumimoji="1" lang="ja-JP" altLang="en-US"/>
           </a:p>
@@ -5104,7 +5104,7 @@
           <a:p>
             <a:fld id="{61D65814-2647-4A72-962F-2A3764609B02}" type="datetimeFigureOut">
               <a:rPr kumimoji="1" lang="ja-JP" altLang="en-US" smtClean="0"/>
-              <a:t>2020/1/24</a:t>
+              <a:t>2020/1/27</a:t>
             </a:fld>
             <a:endParaRPr kumimoji="1" lang="ja-JP" altLang="en-US"/>
           </a:p>
@@ -5447,7 +5447,7 @@
           <a:p>
             <a:fld id="{61D65814-2647-4A72-962F-2A3764609B02}" type="datetimeFigureOut">
               <a:rPr kumimoji="1" lang="ja-JP" altLang="en-US" smtClean="0"/>
-              <a:t>2020/1/24</a:t>
+              <a:t>2020/1/27</a:t>
             </a:fld>
             <a:endParaRPr kumimoji="1" lang="ja-JP" altLang="en-US"/>
           </a:p>
@@ -5735,7 +5735,7 @@
           <a:p>
             <a:fld id="{61D65814-2647-4A72-962F-2A3764609B02}" type="datetimeFigureOut">
               <a:rPr kumimoji="1" lang="ja-JP" altLang="en-US" smtClean="0"/>
-              <a:t>2020/1/24</a:t>
+              <a:t>2020/1/27</a:t>
             </a:fld>
             <a:endParaRPr kumimoji="1" lang="ja-JP" altLang="en-US"/>
           </a:p>
@@ -6008,7 +6008,7 @@
           <a:p>
             <a:fld id="{61D65814-2647-4A72-962F-2A3764609B02}" type="datetimeFigureOut">
               <a:rPr kumimoji="1" lang="ja-JP" altLang="en-US" smtClean="0"/>
-              <a:t>2020/1/24</a:t>
+              <a:t>2020/1/27</a:t>
             </a:fld>
             <a:endParaRPr kumimoji="1" lang="ja-JP" altLang="en-US"/>
           </a:p>
@@ -6592,7 +6592,7 @@
           <a:p>
             <a:fld id="{61D65814-2647-4A72-962F-2A3764609B02}" type="datetimeFigureOut">
               <a:rPr kumimoji="1" lang="ja-JP" altLang="en-US" smtClean="0"/>
-              <a:t>2020/1/24</a:t>
+              <a:t>2020/1/27</a:t>
             </a:fld>
             <a:endParaRPr kumimoji="1" lang="ja-JP" altLang="en-US"/>
           </a:p>
@@ -7146,7 +7146,28 @@
                 <a:latin typeface="游ゴシック Medium" panose="020B0500000000000000" pitchFamily="50" charset="-128"/>
                 <a:ea typeface="游ゴシック Medium" panose="020B0500000000000000" pitchFamily="50" charset="-128"/>
               </a:rPr>
-              <a:t>一般道路の白線補完</a:t>
+              <a:t>一般道路</a:t>
+            </a:r>
+            <a:r>
+              <a:rPr lang="ja-JP" altLang="en-US" sz="8000" b="1" dirty="0" smtClean="0">
+                <a:latin typeface="游ゴシック Medium" panose="020B0500000000000000" pitchFamily="50" charset="-128"/>
+                <a:ea typeface="游ゴシック Medium" panose="020B0500000000000000" pitchFamily="50" charset="-128"/>
+              </a:rPr>
+              <a:t>の</a:t>
+            </a:r>
+            <a:r>
+              <a:rPr lang="ja-JP" altLang="en-US" sz="8000" b="1" dirty="0" smtClean="0">
+                <a:latin typeface="游ゴシック Medium" panose="020B0500000000000000" pitchFamily="50" charset="-128"/>
+                <a:ea typeface="游ゴシック Medium" panose="020B0500000000000000" pitchFamily="50" charset="-128"/>
+              </a:rPr>
+              <a:t>車線</a:t>
+            </a:r>
+            <a:r>
+              <a:rPr lang="ja-JP" altLang="en-US" sz="8000" b="1" dirty="0" smtClean="0">
+                <a:latin typeface="游ゴシック Medium" panose="020B0500000000000000" pitchFamily="50" charset="-128"/>
+                <a:ea typeface="游ゴシック Medium" panose="020B0500000000000000" pitchFamily="50" charset="-128"/>
+              </a:rPr>
+              <a:t>補完</a:t>
             </a:r>
             <a:endParaRPr kumimoji="1" lang="ja-JP" altLang="en-US" sz="8000" b="1" dirty="0">
               <a:latin typeface="游ゴシック Medium" panose="020B0500000000000000" pitchFamily="50" charset="-128"/>
@@ -7206,27 +7227,7 @@
             </a:r>
             <a:r>
               <a:rPr lang="ja-JP" altLang="en-US" dirty="0" smtClean="0"/>
-              <a:t>しかしながら現在</a:t>
-            </a:r>
-            <a:r>
-              <a:rPr lang="ja-JP" altLang="en-US" dirty="0" smtClean="0"/>
-              <a:t>の研究で</a:t>
-            </a:r>
-            <a:r>
-              <a:rPr lang="ja-JP" altLang="en-US" dirty="0" smtClean="0"/>
-              <a:t>最も</a:t>
-            </a:r>
-            <a:r>
-              <a:rPr lang="ja-JP" altLang="en-US" dirty="0" smtClean="0"/>
-              <a:t>高い精度を出している自動</a:t>
-            </a:r>
-            <a:r>
-              <a:rPr lang="ja-JP" altLang="en-US" dirty="0" smtClean="0"/>
-              <a:t>運転技術は</a:t>
-            </a:r>
-            <a:r>
-              <a:rPr lang="ja-JP" altLang="en-US" dirty="0" smtClean="0"/>
-              <a:t>高精度地図を必要とし</a:t>
+              <a:t>しかしながら現在の研究で最も高い精度を出している自動運転技術は高精度地図を必要とし</a:t>
             </a:r>
             <a:r>
               <a:rPr lang="en-US" altLang="ja-JP" dirty="0" smtClean="0"/>
@@ -7234,19 +7235,11 @@
             </a:r>
             <a:r>
               <a:rPr lang="ja-JP" altLang="en-US" dirty="0" smtClean="0"/>
-              <a:t>高精度地図が整備されている道路は先進国全体</a:t>
-            </a:r>
-            <a:r>
-              <a:rPr lang="ja-JP" altLang="en-US" dirty="0" smtClean="0"/>
-              <a:t>でも</a:t>
+              <a:t>高精度地図が整備されている道路は先進国全体でも</a:t>
             </a:r>
             <a:r>
               <a:rPr lang="en-US" altLang="ja-JP" dirty="0" smtClean="0"/>
-              <a:t>1</a:t>
-            </a:r>
-            <a:r>
-              <a:rPr lang="en-US" altLang="ja-JP" dirty="0" smtClean="0"/>
-              <a:t>%</a:t>
+              <a:t>1%</a:t>
             </a:r>
             <a:r>
               <a:rPr lang="ja-JP" altLang="en-US" dirty="0" smtClean="0"/>
@@ -7334,11 +7327,7 @@
             </a:r>
             <a:r>
               <a:rPr lang="ja-JP" altLang="en-US" dirty="0" smtClean="0"/>
-              <a:t>特に路面上の情報を画像</a:t>
-            </a:r>
-            <a:r>
-              <a:rPr lang="ja-JP" altLang="en-US" dirty="0" smtClean="0"/>
-              <a:t>など</a:t>
+              <a:t>特に路面上の情報を画像など</a:t>
             </a:r>
             <a:r>
               <a:rPr lang="en-US" altLang="ja-JP" dirty="0" smtClean="0"/>
@@ -7357,31 +7346,7 @@
             </a:r>
             <a:r>
               <a:rPr lang="ja-JP" altLang="en-US" dirty="0" smtClean="0"/>
-              <a:t>自車</a:t>
-            </a:r>
-            <a:r>
-              <a:rPr lang="ja-JP" altLang="en-US" dirty="0" smtClean="0"/>
-              <a:t>が走行す</a:t>
-            </a:r>
-            <a:r>
-              <a:rPr lang="ja-JP" altLang="en-US" dirty="0" smtClean="0"/>
-              <a:t>べき車線</a:t>
-            </a:r>
-            <a:r>
-              <a:rPr lang="ja-JP" altLang="en-US" dirty="0" smtClean="0"/>
-              <a:t>を計算すること</a:t>
-            </a:r>
-            <a:r>
-              <a:rPr lang="ja-JP" altLang="en-US" dirty="0" smtClean="0"/>
-              <a:t>は、乗車</a:t>
-            </a:r>
-            <a:r>
-              <a:rPr lang="ja-JP" altLang="en-US" dirty="0" smtClean="0"/>
-              <a:t>している人の安全を保証</a:t>
-            </a:r>
-            <a:r>
-              <a:rPr lang="ja-JP" altLang="en-US" dirty="0" smtClean="0"/>
-              <a:t>する</a:t>
+              <a:t>自車が走行すべき車線を計算することは、乗車している人の安全を保証する</a:t>
             </a:r>
             <a:r>
               <a:rPr lang="en-US" altLang="ja-JP" dirty="0" smtClean="0"/>
@@ -7392,23 +7357,7 @@
             </a:br>
             <a:r>
               <a:rPr lang="ja-JP" altLang="en-US" dirty="0" smtClean="0"/>
-              <a:t>意味</a:t>
-            </a:r>
-            <a:r>
-              <a:rPr lang="ja-JP" altLang="en-US" dirty="0" smtClean="0"/>
-              <a:t>で</a:t>
-            </a:r>
-            <a:r>
-              <a:rPr lang="ja-JP" altLang="en-US" dirty="0" smtClean="0"/>
-              <a:t>非常</a:t>
-            </a:r>
-            <a:r>
-              <a:rPr lang="ja-JP" altLang="en-US" dirty="0" smtClean="0"/>
-              <a:t>に</a:t>
-            </a:r>
-            <a:r>
-              <a:rPr lang="ja-JP" altLang="en-US" dirty="0" smtClean="0"/>
-              <a:t>重要である</a:t>
+              <a:t>意味で非常に重要である</a:t>
             </a:r>
             <a:r>
               <a:rPr lang="en-US" altLang="ja-JP" dirty="0" smtClean="0"/>
@@ -7428,7 +7377,19 @@
             </a:r>
             <a:r>
               <a:rPr lang="ja-JP" altLang="en-US" dirty="0" smtClean="0"/>
-              <a:t>道路には白線が</a:t>
+              <a:t>道路に</a:t>
+            </a:r>
+            <a:r>
+              <a:rPr lang="ja-JP" altLang="en-US" dirty="0" smtClean="0"/>
+              <a:t>は</a:t>
+            </a:r>
+            <a:r>
+              <a:rPr lang="ja-JP" altLang="en-US" dirty="0"/>
+              <a:t>車線</a:t>
+            </a:r>
+            <a:r>
+              <a:rPr lang="ja-JP" altLang="en-US" dirty="0" smtClean="0"/>
+              <a:t>が</a:t>
             </a:r>
             <a:r>
               <a:rPr lang="ja-JP" altLang="en-US" dirty="0"/>
@@ -7534,11 +7495,7 @@
             </a:r>
             <a:r>
               <a:rPr lang="ja-JP" altLang="en-US" dirty="0" smtClean="0"/>
-              <a:t>そこ</a:t>
-            </a:r>
-            <a:r>
-              <a:rPr lang="ja-JP" altLang="en-US" dirty="0" smtClean="0"/>
-              <a:t>で</a:t>
+              <a:t>そこで</a:t>
             </a:r>
             <a:r>
               <a:rPr lang="ja-JP" altLang="en-US" dirty="0"/>
@@ -7550,19 +7507,11 @@
             </a:r>
             <a:r>
               <a:rPr lang="en-US" altLang="ja-JP" dirty="0" smtClean="0"/>
-              <a:t>(GAN</a:t>
-            </a:r>
-            <a:r>
-              <a:rPr lang="en-US" altLang="ja-JP" dirty="0" smtClean="0"/>
-              <a:t>)</a:t>
+              <a:t>(GAN)</a:t>
             </a:r>
             <a:r>
               <a:rPr lang="ja-JP" altLang="en-US" dirty="0" smtClean="0"/>
-              <a:t>を</a:t>
-            </a:r>
-            <a:r>
-              <a:rPr lang="ja-JP" altLang="en-US" dirty="0" smtClean="0"/>
-              <a:t>用い</a:t>
+              <a:t>を用い</a:t>
             </a:r>
             <a:r>
               <a:rPr lang="en-US" altLang="ja-JP" dirty="0" smtClean="0"/>
@@ -7588,8 +7537,12 @@
               <a:t>,</a:t>
             </a:r>
             <a:r>
+              <a:rPr lang="ja-JP" altLang="en-US" smtClean="0"/>
+              <a:t>車線の</a:t>
+            </a:r>
+            <a:r>
               <a:rPr lang="ja-JP" altLang="en-US" dirty="0" smtClean="0"/>
-              <a:t>白線の途切れやカスレを自動補完する手法を提案</a:t>
+              <a:t>途切れやカスレを自動補完する手法を提案</a:t>
             </a:r>
             <a:r>
               <a:rPr lang="en-US" altLang="ja-JP" dirty="0" smtClean="0"/>
@@ -7603,7 +7556,7 @@
               <a:t>する</a:t>
             </a:r>
             <a:r>
-              <a:rPr lang="en-US" altLang="ja-JP" smtClean="0"/>
+              <a:rPr lang="en-US" altLang="ja-JP" dirty="0" smtClean="0"/>
               <a:t>.</a:t>
             </a:r>
             <a:r>

--- a/resume_format_komatsu.pptx
+++ b/resume_format_komatsu.pptx
@@ -272,7 +272,7 @@
           <a:p>
             <a:fld id="{61D65814-2647-4A72-962F-2A3764609B02}" type="datetimeFigureOut">
               <a:rPr kumimoji="1" lang="ja-JP" altLang="en-US" smtClean="0"/>
-              <a:t>2020/1/27</a:t>
+              <a:t>2020/1/28</a:t>
             </a:fld>
             <a:endParaRPr kumimoji="1" lang="ja-JP" altLang="en-US"/>
           </a:p>
@@ -502,7 +502,7 @@
           <a:p>
             <a:fld id="{61D65814-2647-4A72-962F-2A3764609B02}" type="datetimeFigureOut">
               <a:rPr kumimoji="1" lang="ja-JP" altLang="en-US" smtClean="0"/>
-              <a:t>2020/1/27</a:t>
+              <a:t>2020/1/28</a:t>
             </a:fld>
             <a:endParaRPr kumimoji="1" lang="ja-JP" altLang="en-US"/>
           </a:p>
@@ -742,7 +742,7 @@
           <a:p>
             <a:fld id="{61D65814-2647-4A72-962F-2A3764609B02}" type="datetimeFigureOut">
               <a:rPr kumimoji="1" lang="ja-JP" altLang="en-US" smtClean="0"/>
-              <a:t>2020/1/27</a:t>
+              <a:t>2020/1/28</a:t>
             </a:fld>
             <a:endParaRPr kumimoji="1" lang="ja-JP" altLang="en-US"/>
           </a:p>
@@ -946,7 +946,7 @@
           <a:p>
             <a:fld id="{6B0DA678-859E-4E93-B765-3BB9825BA2E7}" type="datetime1">
               <a:rPr kumimoji="1" lang="ja-JP" altLang="en-US" smtClean="0"/>
-              <a:t>2020/1/27</a:t>
+              <a:t>2020/1/28</a:t>
             </a:fld>
             <a:endParaRPr kumimoji="1" lang="ja-JP" altLang="en-US"/>
           </a:p>
@@ -1207,7 +1207,7 @@
           <a:p>
             <a:fld id="{CEE8E650-1717-4730-9A04-DC0C88CFB25D}" type="datetime1">
               <a:rPr kumimoji="1" lang="ja-JP" altLang="en-US" smtClean="0"/>
-              <a:t>2020/1/27</a:t>
+              <a:t>2020/1/28</a:t>
             </a:fld>
             <a:endParaRPr kumimoji="1" lang="ja-JP" altLang="en-US"/>
           </a:p>
@@ -1512,7 +1512,7 @@
           <a:p>
             <a:fld id="{2507533B-B693-4FD6-BC6B-36A125D7FC07}" type="datetime1">
               <a:rPr kumimoji="1" lang="ja-JP" altLang="en-US" smtClean="0"/>
-              <a:t>2020/1/27</a:t>
+              <a:t>2020/1/28</a:t>
             </a:fld>
             <a:endParaRPr kumimoji="1" lang="ja-JP" altLang="en-US"/>
           </a:p>
@@ -1867,7 +1867,7 @@
           <a:p>
             <a:fld id="{15E47A3A-1979-4406-86F1-92E1BFB2BFD4}" type="datetime1">
               <a:rPr kumimoji="1" lang="ja-JP" altLang="en-US" smtClean="0"/>
-              <a:t>2020/1/27</a:t>
+              <a:t>2020/1/28</a:t>
             </a:fld>
             <a:endParaRPr kumimoji="1" lang="ja-JP" altLang="en-US"/>
           </a:p>
@@ -2357,7 +2357,7 @@
           <a:p>
             <a:fld id="{4702A9A5-4DF8-469B-85B4-D7AD3E39F8E8}" type="datetime1">
               <a:rPr kumimoji="1" lang="ja-JP" altLang="en-US" smtClean="0"/>
-              <a:t>2020/1/27</a:t>
+              <a:t>2020/1/28</a:t>
             </a:fld>
             <a:endParaRPr kumimoji="1" lang="ja-JP" altLang="en-US"/>
           </a:p>
@@ -2475,7 +2475,7 @@
           <a:p>
             <a:fld id="{757C8B60-69DB-4B85-B607-A54BA195F6BC}" type="datetime1">
               <a:rPr kumimoji="1" lang="ja-JP" altLang="en-US" smtClean="0"/>
-              <a:t>2020/1/27</a:t>
+              <a:t>2020/1/28</a:t>
             </a:fld>
             <a:endParaRPr kumimoji="1" lang="ja-JP" altLang="en-US"/>
           </a:p>
@@ -2570,7 +2570,7 @@
           <a:p>
             <a:fld id="{2D8E3E8E-ABEE-40AF-BA3C-680DF53AE630}" type="datetime1">
               <a:rPr kumimoji="1" lang="ja-JP" altLang="en-US" smtClean="0"/>
-              <a:t>2020/1/27</a:t>
+              <a:t>2020/1/28</a:t>
             </a:fld>
             <a:endParaRPr kumimoji="1" lang="ja-JP" altLang="en-US"/>
           </a:p>
@@ -2879,7 +2879,7 @@
           <a:p>
             <a:fld id="{204D0E7C-50D2-4B3B-85A8-EAF114C99BE2}" type="datetime1">
               <a:rPr kumimoji="1" lang="ja-JP" altLang="en-US" smtClean="0"/>
-              <a:t>2020/1/27</a:t>
+              <a:t>2020/1/28</a:t>
             </a:fld>
             <a:endParaRPr kumimoji="1" lang="ja-JP" altLang="en-US"/>
           </a:p>
@@ -3098,7 +3098,7 @@
           <a:p>
             <a:fld id="{61D65814-2647-4A72-962F-2A3764609B02}" type="datetimeFigureOut">
               <a:rPr kumimoji="1" lang="ja-JP" altLang="en-US" smtClean="0"/>
-              <a:t>2020/1/27</a:t>
+              <a:t>2020/1/28</a:t>
             </a:fld>
             <a:endParaRPr kumimoji="1" lang="ja-JP" altLang="en-US"/>
           </a:p>
@@ -3367,7 +3367,7 @@
           <a:p>
             <a:fld id="{EC7CB590-1C64-418F-BC2E-EE541BEC824C}" type="datetime1">
               <a:rPr kumimoji="1" lang="ja-JP" altLang="en-US" smtClean="0"/>
-              <a:t>2020/1/27</a:t>
+              <a:t>2020/1/28</a:t>
             </a:fld>
             <a:endParaRPr kumimoji="1" lang="ja-JP" altLang="en-US"/>
           </a:p>
@@ -3569,7 +3569,7 @@
           <a:p>
             <a:fld id="{204D0E7C-50D2-4B3B-85A8-EAF114C99BE2}" type="datetime1">
               <a:rPr kumimoji="1" lang="ja-JP" altLang="en-US" smtClean="0"/>
-              <a:t>2020/1/27</a:t>
+              <a:t>2020/1/28</a:t>
             </a:fld>
             <a:endParaRPr kumimoji="1" lang="ja-JP" altLang="en-US"/>
           </a:p>
@@ -3782,7 +3782,7 @@
           <a:p>
             <a:fld id="{D2ED44D8-997F-4A54-B33B-C85C7D33424D}" type="datetime1">
               <a:rPr kumimoji="1" lang="ja-JP" altLang="en-US" smtClean="0"/>
-              <a:t>2020/1/27</a:t>
+              <a:t>2020/1/28</a:t>
             </a:fld>
             <a:endParaRPr kumimoji="1" lang="ja-JP" altLang="en-US"/>
           </a:p>
@@ -4045,7 +4045,7 @@
           <a:p>
             <a:fld id="{61D65814-2647-4A72-962F-2A3764609B02}" type="datetimeFigureOut">
               <a:rPr kumimoji="1" lang="ja-JP" altLang="en-US" smtClean="0"/>
-              <a:t>2020/1/27</a:t>
+              <a:t>2020/1/28</a:t>
             </a:fld>
             <a:endParaRPr kumimoji="1" lang="ja-JP" altLang="en-US"/>
           </a:p>
@@ -4374,7 +4374,7 @@
           <a:p>
             <a:fld id="{61D65814-2647-4A72-962F-2A3764609B02}" type="datetimeFigureOut">
               <a:rPr kumimoji="1" lang="ja-JP" altLang="en-US" smtClean="0"/>
-              <a:t>2020/1/27</a:t>
+              <a:t>2020/1/28</a:t>
             </a:fld>
             <a:endParaRPr kumimoji="1" lang="ja-JP" altLang="en-US"/>
           </a:p>
@@ -4850,7 +4850,7 @@
           <a:p>
             <a:fld id="{61D65814-2647-4A72-962F-2A3764609B02}" type="datetimeFigureOut">
               <a:rPr kumimoji="1" lang="ja-JP" altLang="en-US" smtClean="0"/>
-              <a:t>2020/1/27</a:t>
+              <a:t>2020/1/28</a:t>
             </a:fld>
             <a:endParaRPr kumimoji="1" lang="ja-JP" altLang="en-US"/>
           </a:p>
@@ -4991,7 +4991,7 @@
           <a:p>
             <a:fld id="{61D65814-2647-4A72-962F-2A3764609B02}" type="datetimeFigureOut">
               <a:rPr kumimoji="1" lang="ja-JP" altLang="en-US" smtClean="0"/>
-              <a:t>2020/1/27</a:t>
+              <a:t>2020/1/28</a:t>
             </a:fld>
             <a:endParaRPr kumimoji="1" lang="ja-JP" altLang="en-US"/>
           </a:p>
@@ -5104,7 +5104,7 @@
           <a:p>
             <a:fld id="{61D65814-2647-4A72-962F-2A3764609B02}" type="datetimeFigureOut">
               <a:rPr kumimoji="1" lang="ja-JP" altLang="en-US" smtClean="0"/>
-              <a:t>2020/1/27</a:t>
+              <a:t>2020/1/28</a:t>
             </a:fld>
             <a:endParaRPr kumimoji="1" lang="ja-JP" altLang="en-US"/>
           </a:p>
@@ -5447,7 +5447,7 @@
           <a:p>
             <a:fld id="{61D65814-2647-4A72-962F-2A3764609B02}" type="datetimeFigureOut">
               <a:rPr kumimoji="1" lang="ja-JP" altLang="en-US" smtClean="0"/>
-              <a:t>2020/1/27</a:t>
+              <a:t>2020/1/28</a:t>
             </a:fld>
             <a:endParaRPr kumimoji="1" lang="ja-JP" altLang="en-US"/>
           </a:p>
@@ -5735,7 +5735,7 @@
           <a:p>
             <a:fld id="{61D65814-2647-4A72-962F-2A3764609B02}" type="datetimeFigureOut">
               <a:rPr kumimoji="1" lang="ja-JP" altLang="en-US" smtClean="0"/>
-              <a:t>2020/1/27</a:t>
+              <a:t>2020/1/28</a:t>
             </a:fld>
             <a:endParaRPr kumimoji="1" lang="ja-JP" altLang="en-US"/>
           </a:p>
@@ -6008,7 +6008,7 @@
           <a:p>
             <a:fld id="{61D65814-2647-4A72-962F-2A3764609B02}" type="datetimeFigureOut">
               <a:rPr kumimoji="1" lang="ja-JP" altLang="en-US" smtClean="0"/>
-              <a:t>2020/1/27</a:t>
+              <a:t>2020/1/28</a:t>
             </a:fld>
             <a:endParaRPr kumimoji="1" lang="ja-JP" altLang="en-US"/>
           </a:p>
@@ -6592,7 +6592,7 @@
           <a:p>
             <a:fld id="{61D65814-2647-4A72-962F-2A3764609B02}" type="datetimeFigureOut">
               <a:rPr kumimoji="1" lang="ja-JP" altLang="en-US" smtClean="0"/>
-              <a:t>2020/1/27</a:t>
+              <a:t>2020/1/28</a:t>
             </a:fld>
             <a:endParaRPr kumimoji="1" lang="ja-JP" altLang="en-US"/>
           </a:p>
@@ -7115,18 +7115,25 @@
           <a:p>
             <a:pPr algn="ctr"/>
             <a:r>
-              <a:rPr lang="ja-JP" altLang="en-US" sz="8000" b="1" dirty="0">
-                <a:latin typeface="游ゴシック Medium" panose="020B0500000000000000" pitchFamily="50" charset="-128"/>
-                <a:ea typeface="游ゴシック Medium" panose="020B0500000000000000" pitchFamily="50" charset="-128"/>
-              </a:rPr>
-              <a:t>敵対的生成</a:t>
-            </a:r>
-            <a:r>
               <a:rPr lang="ja-JP" altLang="en-US" sz="8000" b="1" dirty="0" smtClean="0">
                 <a:latin typeface="游ゴシック Medium" panose="020B0500000000000000" pitchFamily="50" charset="-128"/>
                 <a:ea typeface="游ゴシック Medium" panose="020B0500000000000000" pitchFamily="50" charset="-128"/>
               </a:rPr>
-              <a:t>ネットワークを用いた</a:t>
+              <a:t>深層</a:t>
+            </a:r>
+            <a:r>
+              <a:rPr lang="ja-JP" altLang="en-US" sz="8000" b="1" dirty="0" err="1" smtClean="0">
+                <a:latin typeface="游ゴシック Medium" panose="020B0500000000000000" pitchFamily="50" charset="-128"/>
+                <a:ea typeface="游ゴシック Medium" panose="020B0500000000000000" pitchFamily="50" charset="-128"/>
+              </a:rPr>
+              <a:t>学習をを</a:t>
+            </a:r>
+            <a:r>
+              <a:rPr lang="ja-JP" altLang="en-US" sz="8000" b="1" dirty="0" err="1" smtClean="0">
+                <a:latin typeface="游ゴシック Medium" panose="020B0500000000000000" pitchFamily="50" charset="-128"/>
+                <a:ea typeface="游ゴシック Medium" panose="020B0500000000000000" pitchFamily="50" charset="-128"/>
+              </a:rPr>
+              <a:t>用いた</a:t>
             </a:r>
             <a:r>
               <a:rPr lang="en-US" altLang="ja-JP" sz="8000" b="1" dirty="0" smtClean="0">
@@ -7153,14 +7160,7 @@
                 <a:latin typeface="游ゴシック Medium" panose="020B0500000000000000" pitchFamily="50" charset="-128"/>
                 <a:ea typeface="游ゴシック Medium" panose="020B0500000000000000" pitchFamily="50" charset="-128"/>
               </a:rPr>
-              <a:t>の</a:t>
-            </a:r>
-            <a:r>
-              <a:rPr lang="ja-JP" altLang="en-US" sz="8000" b="1" dirty="0" smtClean="0">
-                <a:latin typeface="游ゴシック Medium" panose="020B0500000000000000" pitchFamily="50" charset="-128"/>
-                <a:ea typeface="游ゴシック Medium" panose="020B0500000000000000" pitchFamily="50" charset="-128"/>
-              </a:rPr>
-              <a:t>車線</a:t>
+              <a:t>のロバストな車線</a:t>
             </a:r>
             <a:r>
               <a:rPr lang="ja-JP" altLang="en-US" sz="8000" b="1" dirty="0" smtClean="0">
@@ -7251,7 +7251,23 @@
             </a:r>
             <a:r>
               <a:rPr lang="ja-JP" altLang="en-US" dirty="0" smtClean="0"/>
-              <a:t>高精度地図を全道路に整備するのは作成に人の手を介する点や</a:t>
+              <a:t>高精度地図を全道路に整備するのは作成</a:t>
+            </a:r>
+            <a:r>
+              <a:rPr lang="ja-JP" altLang="en-US" dirty="0" smtClean="0"/>
+              <a:t>に</a:t>
+            </a:r>
+            <a:r>
+              <a:rPr lang="ja-JP" altLang="en-US" dirty="0"/>
+              <a:t>多大な人的コスト</a:t>
+            </a:r>
+            <a:r>
+              <a:rPr lang="ja-JP" altLang="en-US" dirty="0" smtClean="0"/>
+              <a:t>がかかる点</a:t>
+            </a:r>
+            <a:r>
+              <a:rPr lang="ja-JP" altLang="en-US" dirty="0" smtClean="0"/>
+              <a:t>や</a:t>
             </a:r>
             <a:r>
               <a:rPr lang="en-US" altLang="ja-JP" dirty="0" smtClean="0"/>
@@ -7377,11 +7393,7 @@
             </a:r>
             <a:r>
               <a:rPr lang="ja-JP" altLang="en-US" dirty="0" smtClean="0"/>
-              <a:t>道路に</a:t>
-            </a:r>
-            <a:r>
-              <a:rPr lang="ja-JP" altLang="en-US" dirty="0" smtClean="0"/>
-              <a:t>は</a:t>
+              <a:t>道路には</a:t>
             </a:r>
             <a:r>
               <a:rPr lang="ja-JP" altLang="en-US" dirty="0"/>
@@ -7521,39 +7533,20 @@
               <a:rPr lang="en-US" altLang="ja-JP" dirty="0" smtClean="0"/>
             </a:br>
             <a:r>
+              <a:rPr lang="ja-JP" altLang="en-US" smtClean="0"/>
+              <a:t>て車線</a:t>
+            </a:r>
+            <a:r>
               <a:rPr lang="ja-JP" altLang="en-US" dirty="0" smtClean="0"/>
-              <a:t>て</a:t>
-            </a:r>
-            <a:r>
-              <a:rPr lang="en-US" altLang="ja-JP" dirty="0" smtClean="0"/>
-              <a:t>,</a:t>
-            </a:r>
-            <a:r>
-              <a:rPr lang="ja-JP" altLang="en-US" dirty="0" smtClean="0"/>
-              <a:t>白線にかすれやることによって</a:t>
-            </a:r>
-            <a:r>
-              <a:rPr lang="en-US" altLang="ja-JP" dirty="0" smtClean="0"/>
-              <a:t>,</a:t>
+              <a:t>の途切れやカスレを自動補完する手法</a:t>
             </a:r>
             <a:r>
               <a:rPr lang="ja-JP" altLang="en-US" smtClean="0"/>
-              <a:t>車線の</a:t>
-            </a:r>
-            <a:r>
-              <a:rPr lang="ja-JP" altLang="en-US" dirty="0" smtClean="0"/>
-              <a:t>途切れやカスレを自動補完する手法を提案</a:t>
-            </a:r>
-            <a:r>
-              <a:rPr lang="en-US" altLang="ja-JP" dirty="0" smtClean="0"/>
-              <a:t/>
-            </a:r>
-            <a:br>
-              <a:rPr lang="en-US" altLang="ja-JP" dirty="0" smtClean="0"/>
-            </a:br>
-            <a:r>
-              <a:rPr lang="ja-JP" altLang="en-US" dirty="0" smtClean="0"/>
-              <a:t>する</a:t>
+              <a:t>を</a:t>
+            </a:r>
+            <a:r>
+              <a:rPr lang="ja-JP" altLang="en-US" smtClean="0"/>
+              <a:t>提案する</a:t>
             </a:r>
             <a:r>
               <a:rPr lang="en-US" altLang="ja-JP" dirty="0" smtClean="0"/>
